--- a/ML_Projects_1/2_Linear Regression with Multiple Variable/2_MultiVariate_Regression.pptx
+++ b/ML_Projects_1/2_Linear Regression with Multiple Variable/2_MultiVariate_Regression.pptx
@@ -20,10 +20,7 @@
     <p:sldId id="302" r:id="rId17"/>
     <p:sldId id="303" r:id="rId18"/>
     <p:sldId id="304" r:id="rId19"/>
-    <p:sldId id="305" r:id="rId20"/>
-    <p:sldId id="306" r:id="rId21"/>
-    <p:sldId id="307" r:id="rId22"/>
-    <p:sldId id="309" r:id="rId23"/>
+    <p:sldId id="307" r:id="rId20"/>
   </p:sldIdLst>
   <p:sldSz cx="12192000" cy="6858000"/>
   <p:notesSz cx="6858000" cy="9144000"/>
@@ -153,6 +150,71 @@
 </p:cmAuthorLst>
 </file>
 
+<file path=ppt/changesInfos/changesInfo1.xml><?xml version="1.0" encoding="utf-8"?>
+<pc:chgInfo xmlns:a="http://schemas.openxmlformats.org/drawingml/2006/main" xmlns:r="http://schemas.openxmlformats.org/officeDocument/2006/relationships" xmlns:ac="http://schemas.microsoft.com/office/drawing/2013/main/command" xmlns:pc="http://schemas.microsoft.com/office/powerpoint/2013/main/command">
+  <pc:docChgLst>
+    <pc:chgData name="Anurag krit" userId="0fee950e34a3e876" providerId="LiveId" clId="{9300DB8A-A8CF-4EF7-A4EE-56A5E4B32D65}"/>
+    <pc:docChg chg="undo custSel addSld delSld modSld">
+      <pc:chgData name="Anurag krit" userId="0fee950e34a3e876" providerId="LiveId" clId="{9300DB8A-A8CF-4EF7-A4EE-56A5E4B32D65}" dt="2022-09-22T09:20:04.440" v="40" actId="47"/>
+      <pc:docMkLst>
+        <pc:docMk/>
+      </pc:docMkLst>
+      <pc:sldChg chg="delSp modSp mod">
+        <pc:chgData name="Anurag krit" userId="0fee950e34a3e876" providerId="LiveId" clId="{9300DB8A-A8CF-4EF7-A4EE-56A5E4B32D65}" dt="2022-09-22T09:19:27.551" v="35" actId="404"/>
+        <pc:sldMkLst>
+          <pc:docMk/>
+          <pc:sldMk cId="289771991" sldId="303"/>
+        </pc:sldMkLst>
+        <pc:spChg chg="del">
+          <ac:chgData name="Anurag krit" userId="0fee950e34a3e876" providerId="LiveId" clId="{9300DB8A-A8CF-4EF7-A4EE-56A5E4B32D65}" dt="2022-09-22T09:18:57.982" v="1" actId="478"/>
+          <ac:spMkLst>
+            <pc:docMk/>
+            <pc:sldMk cId="289771991" sldId="303"/>
+            <ac:spMk id="5" creationId="{2761D434-20EB-E301-6215-251CA2BF8223}"/>
+          </ac:spMkLst>
+        </pc:spChg>
+        <pc:spChg chg="mod">
+          <ac:chgData name="Anurag krit" userId="0fee950e34a3e876" providerId="LiveId" clId="{9300DB8A-A8CF-4EF7-A4EE-56A5E4B32D65}" dt="2022-09-22T09:19:27.551" v="35" actId="404"/>
+          <ac:spMkLst>
+            <pc:docMk/>
+            <pc:sldMk cId="289771991" sldId="303"/>
+            <ac:spMk id="6" creationId="{A43EBFCE-3475-AB4B-243A-5B83473D7483}"/>
+          </ac:spMkLst>
+        </pc:spChg>
+      </pc:sldChg>
+      <pc:sldChg chg="del">
+        <pc:chgData name="Anurag krit" userId="0fee950e34a3e876" providerId="LiveId" clId="{9300DB8A-A8CF-4EF7-A4EE-56A5E4B32D65}" dt="2022-09-22T09:19:55.355" v="39" actId="47"/>
+        <pc:sldMkLst>
+          <pc:docMk/>
+          <pc:sldMk cId="2456263840" sldId="305"/>
+        </pc:sldMkLst>
+      </pc:sldChg>
+      <pc:sldChg chg="del">
+        <pc:chgData name="Anurag krit" userId="0fee950e34a3e876" providerId="LiveId" clId="{9300DB8A-A8CF-4EF7-A4EE-56A5E4B32D65}" dt="2022-09-22T09:19:49.585" v="36" actId="47"/>
+        <pc:sldMkLst>
+          <pc:docMk/>
+          <pc:sldMk cId="948920567" sldId="306"/>
+        </pc:sldMkLst>
+      </pc:sldChg>
+      <pc:sldChg chg="add del">
+        <pc:chgData name="Anurag krit" userId="0fee950e34a3e876" providerId="LiveId" clId="{9300DB8A-A8CF-4EF7-A4EE-56A5E4B32D65}" dt="2022-09-22T09:19:51.915" v="38" actId="47"/>
+        <pc:sldMkLst>
+          <pc:docMk/>
+          <pc:sldMk cId="2021507377" sldId="307"/>
+        </pc:sldMkLst>
+      </pc:sldChg>
+      <pc:sldChg chg="del">
+        <pc:chgData name="Anurag krit" userId="0fee950e34a3e876" providerId="LiveId" clId="{9300DB8A-A8CF-4EF7-A4EE-56A5E4B32D65}" dt="2022-09-22T09:20:04.440" v="40" actId="47"/>
+        <pc:sldMkLst>
+          <pc:docMk/>
+          <pc:sldMk cId="1935099501" sldId="309"/>
+        </pc:sldMkLst>
+      </pc:sldChg>
+    </pc:docChg>
+  </pc:docChgLst>
+</pc:chgInfo>
+</file>
+
 <file path=ppt/slideLayouts/slideLayout1.xml><?xml version="1.0" encoding="utf-8"?>
 <p:sldLayout xmlns:a="http://schemas.openxmlformats.org/drawingml/2006/main" xmlns:r="http://schemas.openxmlformats.org/officeDocument/2006/relationships" xmlns:p="http://schemas.openxmlformats.org/presentationml/2006/main" showMasterSp="0" type="title" preserve="1">
   <p:cSld name="Title Slide">
@@ -397,7 +459,7 @@
           <a:p>
             <a:fld id="{9184DA70-C731-4C70-880D-CCD4705E623C}" type="datetime1">
               <a:rPr lang="en-US" smtClean="0"/>
-              <a:t>9/12/2022</a:t>
+              <a:t>9/22/2022</a:t>
             </a:fld>
             <a:endParaRPr lang="en-US" dirty="0"/>
           </a:p>
@@ -585,7 +647,7 @@
           <a:p>
             <a:fld id="{4BE1D723-8F53-4F53-90B0-1982A396982E}" type="datetime1">
               <a:rPr lang="en-US" smtClean="0"/>
-              <a:t>9/12/2022</a:t>
+              <a:t>9/22/2022</a:t>
             </a:fld>
             <a:endParaRPr lang="en-US" dirty="0"/>
           </a:p>
@@ -958,7 +1020,7 @@
           <a:p>
             <a:fld id="{97669AF7-7BEB-44E4-9852-375E34362B5B}" type="datetime1">
               <a:rPr lang="en-US" smtClean="0"/>
-              <a:t>9/12/2022</a:t>
+              <a:t>9/22/2022</a:t>
             </a:fld>
             <a:endParaRPr lang="en-US" dirty="0"/>
           </a:p>
@@ -1213,7 +1275,7 @@
           <a:p>
             <a:fld id="{BAAAC38D-0552-4C82-B593-E6124DFADBE2}" type="datetime1">
               <a:rPr lang="en-US" smtClean="0"/>
-              <a:t>9/12/2022</a:t>
+              <a:t>9/22/2022</a:t>
             </a:fld>
             <a:endParaRPr lang="en-US" dirty="0"/>
           </a:p>
@@ -1610,7 +1672,7 @@
           <a:p>
             <a:fld id="{D9DF0F1C-5577-4ACB-BB62-DF8F3C494C7E}" type="datetime1">
               <a:rPr lang="en-US" smtClean="0"/>
-              <a:t>9/12/2022</a:t>
+              <a:t>9/22/2022</a:t>
             </a:fld>
             <a:endParaRPr lang="en-US" dirty="0"/>
           </a:p>
@@ -1746,7 +1808,7 @@
           <a:p>
             <a:fld id="{1775B394-D9F9-4F0C-B15D-605F45CB9E9F}" type="datetime1">
               <a:rPr lang="en-US" smtClean="0"/>
-              <a:t>9/12/2022</a:t>
+              <a:t>9/22/2022</a:t>
             </a:fld>
             <a:endParaRPr lang="en-US" dirty="0"/>
           </a:p>
@@ -1903,7 +1965,7 @@
           <a:p>
             <a:fld id="{39667345-2558-425A-8533-9BFDBCE15005}" type="datetime1">
               <a:rPr lang="en-US" smtClean="0"/>
-              <a:t>9/12/2022</a:t>
+              <a:t>9/22/2022</a:t>
             </a:fld>
             <a:endParaRPr lang="en-US" dirty="0"/>
           </a:p>
@@ -2232,7 +2294,7 @@
           <a:p>
             <a:fld id="{92BEA474-078D-4E9B-9B14-09A87B19DC46}" type="datetime1">
               <a:rPr lang="en-US" smtClean="0"/>
-              <a:t>9/12/2022</a:t>
+              <a:t>9/22/2022</a:t>
             </a:fld>
             <a:endParaRPr lang="en-US" dirty="0"/>
           </a:p>
@@ -2582,7 +2644,7 @@
           <a:p>
             <a:fld id="{4907D986-8816-4272-A432-0437A28A9828}" type="datetime1">
               <a:rPr lang="en-US" smtClean="0"/>
-              <a:t>9/12/2022</a:t>
+              <a:t>9/22/2022</a:t>
             </a:fld>
             <a:endParaRPr lang="en-US" dirty="0"/>
           </a:p>
@@ -2843,7 +2905,7 @@
           <a:p>
             <a:fld id="{62D6E202-B606-4609-B914-27C9371A1F6D}" type="datetime1">
               <a:rPr lang="en-US" smtClean="0"/>
-              <a:t>9/12/2022</a:t>
+              <a:t>9/22/2022</a:t>
             </a:fld>
             <a:endParaRPr lang="en-US" dirty="0"/>
           </a:p>
@@ -3803,79 +3865,36 @@
       </p:grpSpPr>
       <p:sp>
         <p:nvSpPr>
-          <p:cNvPr id="5" name="TextBox 4">
-            <a:extLst>
-              <a:ext uri="{FF2B5EF4-FFF2-40B4-BE49-F238E27FC236}">
-                <a16:creationId xmlns:a16="http://schemas.microsoft.com/office/drawing/2014/main" id="{2761D434-20EB-E301-6215-251CA2BF8223}"/>
-              </a:ext>
-            </a:extLst>
-          </p:cNvPr>
-          <p:cNvSpPr txBox="1"/>
-          <p:nvPr/>
-        </p:nvSpPr>
-        <p:spPr>
-          <a:xfrm>
-            <a:off x="3048786" y="3244334"/>
-            <a:ext cx="6094428" cy="369332"/>
-          </a:xfrm>
-          <a:prstGeom prst="rect">
-            <a:avLst/>
-          </a:prstGeom>
-          <a:noFill/>
-        </p:spPr>
-        <p:txBody>
-          <a:bodyPr wrap="square">
-            <a:spAutoFit/>
+          <p:cNvPr id="6" name="Title 5">
+            <a:extLst>
+              <a:ext uri="{FF2B5EF4-FFF2-40B4-BE49-F238E27FC236}">
+                <a16:creationId xmlns:a16="http://schemas.microsoft.com/office/drawing/2014/main" id="{A43EBFCE-3475-AB4B-243A-5B83473D7483}"/>
+              </a:ext>
+            </a:extLst>
+          </p:cNvPr>
+          <p:cNvSpPr>
+            <a:spLocks noGrp="1"/>
+          </p:cNvSpPr>
+          <p:nvPr>
+            <p:ph type="ctrTitle"/>
+          </p:nvPr>
+        </p:nvSpPr>
+        <p:spPr>
+          <a:xfrm>
+            <a:off x="1100051" y="429768"/>
+            <a:ext cx="10058400" cy="3566160"/>
+          </a:xfrm>
+        </p:spPr>
+        <p:txBody>
+          <a:bodyPr>
+            <a:normAutofit/>
           </a:bodyPr>
           <a:lstStyle/>
           <a:p>
             <a:r>
-              <a:rPr lang="en-IN" b="0" i="0" dirty="0">
-                <a:effectLst/>
-                <a:latin typeface="Roboto" panose="02000000000000000000" pitchFamily="2" charset="0"/>
-              </a:rPr>
-              <a:t>Train </a:t>
+              <a:rPr lang="en-IN" sz="6000" dirty="0"/>
+              <a:t>Train Linear Model</a:t>
             </a:r>
-            <a:r>
-              <a:rPr lang="en-IN" b="0" i="0" dirty="0" err="1">
-                <a:effectLst/>
-                <a:latin typeface="Roboto" panose="02000000000000000000" pitchFamily="2" charset="0"/>
-              </a:rPr>
-              <a:t>Lemear</a:t>
-            </a:r>
-            <a:r>
-              <a:rPr lang="en-IN" b="0" i="0" dirty="0">
-                <a:effectLst/>
-                <a:latin typeface="Roboto" panose="02000000000000000000" pitchFamily="2" charset="0"/>
-              </a:rPr>
-              <a:t> Model </a:t>
-            </a:r>
-            <a:endParaRPr lang="en-IN" dirty="0"/>
-          </a:p>
-        </p:txBody>
-      </p:sp>
-      <p:sp>
-        <p:nvSpPr>
-          <p:cNvPr id="6" name="Title 5">
-            <a:extLst>
-              <a:ext uri="{FF2B5EF4-FFF2-40B4-BE49-F238E27FC236}">
-                <a16:creationId xmlns:a16="http://schemas.microsoft.com/office/drawing/2014/main" id="{A43EBFCE-3475-AB4B-243A-5B83473D7483}"/>
-              </a:ext>
-            </a:extLst>
-          </p:cNvPr>
-          <p:cNvSpPr>
-            <a:spLocks noGrp="1"/>
-          </p:cNvSpPr>
-          <p:nvPr>
-            <p:ph type="ctrTitle"/>
-          </p:nvPr>
-        </p:nvSpPr>
-        <p:spPr/>
-        <p:txBody>
-          <a:bodyPr/>
-          <a:lstStyle/>
-          <a:p>
-            <a:endParaRPr lang="en-IN" dirty="0"/>
           </a:p>
         </p:txBody>
       </p:sp>
@@ -3996,126 +4015,6 @@
       </p:grpSpPr>
       <p:pic>
         <p:nvPicPr>
-          <p:cNvPr id="3" name="Picture 2">
-            <a:extLst>
-              <a:ext uri="{FF2B5EF4-FFF2-40B4-BE49-F238E27FC236}">
-                <a16:creationId xmlns:a16="http://schemas.microsoft.com/office/drawing/2014/main" id="{F69FCA47-5086-D04B-FCAB-62488A3EBB88}"/>
-              </a:ext>
-            </a:extLst>
-          </p:cNvPr>
-          <p:cNvPicPr>
-            <a:picLocks noChangeAspect="1"/>
-          </p:cNvPicPr>
-          <p:nvPr/>
-        </p:nvPicPr>
-        <p:blipFill>
-          <a:blip r:embed="rId2"/>
-          <a:stretch>
-            <a:fillRect/>
-          </a:stretch>
-        </p:blipFill>
-        <p:spPr>
-          <a:xfrm>
-            <a:off x="531043" y="501515"/>
-            <a:ext cx="11129914" cy="5854970"/>
-          </a:xfrm>
-          <a:prstGeom prst="rect">
-            <a:avLst/>
-          </a:prstGeom>
-        </p:spPr>
-      </p:pic>
-    </p:spTree>
-    <p:extLst>
-      <p:ext uri="{BB962C8B-B14F-4D97-AF65-F5344CB8AC3E}">
-        <p14:creationId xmlns:p14="http://schemas.microsoft.com/office/powerpoint/2010/main" val="2456263840"/>
-      </p:ext>
-    </p:extLst>
-  </p:cSld>
-  <p:clrMapOvr>
-    <a:masterClrMapping/>
-  </p:clrMapOvr>
-</p:sld>
-</file>
-
-<file path=ppt/slides/slide17.xml><?xml version="1.0" encoding="utf-8"?>
-<p:sld xmlns:a="http://schemas.openxmlformats.org/drawingml/2006/main" xmlns:r="http://schemas.openxmlformats.org/officeDocument/2006/relationships" xmlns:p="http://schemas.openxmlformats.org/presentationml/2006/main">
-  <p:cSld>
-    <p:spTree>
-      <p:nvGrpSpPr>
-        <p:cNvPr id="1" name=""/>
-        <p:cNvGrpSpPr/>
-        <p:nvPr/>
-      </p:nvGrpSpPr>
-      <p:grpSpPr>
-        <a:xfrm>
-          <a:off x="0" y="0"/>
-          <a:ext cx="0" cy="0"/>
-          <a:chOff x="0" y="0"/>
-          <a:chExt cx="0" cy="0"/>
-        </a:xfrm>
-      </p:grpSpPr>
-      <p:pic>
-        <p:nvPicPr>
-          <p:cNvPr id="3" name="Picture 2">
-            <a:extLst>
-              <a:ext uri="{FF2B5EF4-FFF2-40B4-BE49-F238E27FC236}">
-                <a16:creationId xmlns:a16="http://schemas.microsoft.com/office/drawing/2014/main" id="{8359E987-35BD-DF30-7221-DA2F1E864A65}"/>
-              </a:ext>
-            </a:extLst>
-          </p:cNvPr>
-          <p:cNvPicPr>
-            <a:picLocks noChangeAspect="1"/>
-          </p:cNvPicPr>
-          <p:nvPr/>
-        </p:nvPicPr>
-        <p:blipFill>
-          <a:blip r:embed="rId2"/>
-          <a:stretch>
-            <a:fillRect/>
-          </a:stretch>
-        </p:blipFill>
-        <p:spPr>
-          <a:xfrm>
-            <a:off x="2931779" y="1597843"/>
-            <a:ext cx="6328442" cy="1965488"/>
-          </a:xfrm>
-          <a:prstGeom prst="rect">
-            <a:avLst/>
-          </a:prstGeom>
-        </p:spPr>
-      </p:pic>
-    </p:spTree>
-    <p:extLst>
-      <p:ext uri="{BB962C8B-B14F-4D97-AF65-F5344CB8AC3E}">
-        <p14:creationId xmlns:p14="http://schemas.microsoft.com/office/powerpoint/2010/main" val="948920567"/>
-      </p:ext>
-    </p:extLst>
-  </p:cSld>
-  <p:clrMapOvr>
-    <a:masterClrMapping/>
-  </p:clrMapOvr>
-</p:sld>
-</file>
-
-<file path=ppt/slides/slide18.xml><?xml version="1.0" encoding="utf-8"?>
-<p:sld xmlns:a="http://schemas.openxmlformats.org/drawingml/2006/main" xmlns:r="http://schemas.openxmlformats.org/officeDocument/2006/relationships" xmlns:p="http://schemas.openxmlformats.org/presentationml/2006/main">
-  <p:cSld>
-    <p:spTree>
-      <p:nvGrpSpPr>
-        <p:cNvPr id="1" name=""/>
-        <p:cNvGrpSpPr/>
-        <p:nvPr/>
-      </p:nvGrpSpPr>
-      <p:grpSpPr>
-        <a:xfrm>
-          <a:off x="0" y="0"/>
-          <a:ext cx="0" cy="0"/>
-          <a:chOff x="0" y="0"/>
-          <a:chExt cx="0" cy="0"/>
-        </a:xfrm>
-      </p:grpSpPr>
-      <p:pic>
-        <p:nvPicPr>
           <p:cNvPr id="1026" name="Picture 2">
             <a:extLst>
               <a:ext uri="{FF2B5EF4-FFF2-40B4-BE49-F238E27FC236}">
@@ -4165,36 +4064,6 @@
     <p:extLst>
       <p:ext uri="{BB962C8B-B14F-4D97-AF65-F5344CB8AC3E}">
         <p14:creationId xmlns:p14="http://schemas.microsoft.com/office/powerpoint/2010/main" val="2021507377"/>
-      </p:ext>
-    </p:extLst>
-  </p:cSld>
-  <p:clrMapOvr>
-    <a:masterClrMapping/>
-  </p:clrMapOvr>
-</p:sld>
-</file>
-
-<file path=ppt/slides/slide19.xml><?xml version="1.0" encoding="utf-8"?>
-<p:sld xmlns:a="http://schemas.openxmlformats.org/drawingml/2006/main" xmlns:r="http://schemas.openxmlformats.org/officeDocument/2006/relationships" xmlns:p="http://schemas.openxmlformats.org/presentationml/2006/main">
-  <p:cSld>
-    <p:spTree>
-      <p:nvGrpSpPr>
-        <p:cNvPr id="1" name=""/>
-        <p:cNvGrpSpPr/>
-        <p:nvPr/>
-      </p:nvGrpSpPr>
-      <p:grpSpPr>
-        <a:xfrm>
-          <a:off x="0" y="0"/>
-          <a:ext cx="0" cy="0"/>
-          <a:chOff x="0" y="0"/>
-          <a:chExt cx="0" cy="0"/>
-        </a:xfrm>
-      </p:grpSpPr>
-    </p:spTree>
-    <p:extLst>
-      <p:ext uri="{BB962C8B-B14F-4D97-AF65-F5344CB8AC3E}">
-        <p14:creationId xmlns:p14="http://schemas.microsoft.com/office/powerpoint/2010/main" val="1935099501"/>
       </p:ext>
     </p:extLst>
   </p:cSld>
@@ -5287,6 +5156,15 @@
 </file>
 
 <file path=customXml/item2.xml><?xml version="1.0" encoding="utf-8"?>
+<?mso-contentType ?>
+<FormTemplates xmlns="http://schemas.microsoft.com/sharepoint/v3/contenttype/forms">
+  <Display>DocumentLibraryForm</Display>
+  <Edit>DocumentLibraryForm</Edit>
+  <New>DocumentLibraryForm</New>
+</FormTemplates>
+</file>
+
+<file path=customXml/item3.xml><?xml version="1.0" encoding="utf-8"?>
 <ct:contentTypeSchema xmlns:ct="http://schemas.microsoft.com/office/2006/metadata/contentType" xmlns:ma="http://schemas.microsoft.com/office/2006/metadata/properties/metaAttributes" ct:_="" ma:_="" ma:contentTypeName="Document" ma:contentTypeID="0x01010079F111ED35F8CC479449609E8A0923A6" ma:contentTypeVersion="12" ma:contentTypeDescription="Create a new document." ma:contentTypeScope="" ma:versionID="426e97fa315356fffbdcd9876fe988c2">
   <xsd:schema xmlns:xsd="http://www.w3.org/2001/XMLSchema" xmlns:xs="http://www.w3.org/2001/XMLSchema" xmlns:p="http://schemas.microsoft.com/office/2006/metadata/properties" xmlns:ns2="71af3243-3dd4-4a8d-8c0d-dd76da1f02a5" xmlns:ns3="16c05727-aa75-4e4a-9b5f-8a80a1165891" targetNamespace="http://schemas.microsoft.com/office/2006/metadata/properties" ma:root="true" ma:fieldsID="14b8f0def80e6d70ce3def20c90759ae" ns2:_="" ns3:_="">
     <xsd:import namespace="71af3243-3dd4-4a8d-8c0d-dd76da1f02a5"/>
@@ -5507,15 +5385,6 @@
 </ct:contentTypeSchema>
 </file>
 
-<file path=customXml/item3.xml><?xml version="1.0" encoding="utf-8"?>
-<?mso-contentType ?>
-<FormTemplates xmlns="http://schemas.microsoft.com/sharepoint/v3/contenttype/forms">
-  <Display>DocumentLibraryForm</Display>
-  <Edit>DocumentLibraryForm</Edit>
-  <New>DocumentLibraryForm</New>
-</FormTemplates>
-</file>
-
 <file path=customXml/itemProps1.xml><?xml version="1.0" encoding="utf-8"?>
 <ds:datastoreItem xmlns:ds="http://schemas.openxmlformats.org/officeDocument/2006/customXml" ds:itemID="{84F503EC-3FFF-4193-A86F-39150E2BAC75}">
   <ds:schemaRefs>
@@ -5527,6 +5396,14 @@
 </file>
 
 <file path=customXml/itemProps2.xml><?xml version="1.0" encoding="utf-8"?>
+<ds:datastoreItem xmlns:ds="http://schemas.openxmlformats.org/officeDocument/2006/customXml" ds:itemID="{2E5ECA37-C458-4BA2-A090-D7A19E07B434}">
+  <ds:schemaRefs>
+    <ds:schemaRef ds:uri="http://schemas.microsoft.com/sharepoint/v3/contenttype/forms"/>
+  </ds:schemaRefs>
+</ds:datastoreItem>
+</file>
+
+<file path=customXml/itemProps3.xml><?xml version="1.0" encoding="utf-8"?>
 <ds:datastoreItem xmlns:ds="http://schemas.openxmlformats.org/officeDocument/2006/customXml" ds:itemID="{7A26AAF5-6CFC-4C52-B7DF-08410EDE6701}">
   <ds:schemaRefs>
     <ds:schemaRef ds:uri="http://schemas.microsoft.com/office/2006/metadata/contentType"/>
@@ -5543,12 +5420,4 @@
     <ds:schemaRef ds:uri="http://schemas.microsoft.com/internal/obd"/>
   </ds:schemaRefs>
 </ds:datastoreItem>
-</file>
-
-<file path=customXml/itemProps3.xml><?xml version="1.0" encoding="utf-8"?>
-<ds:datastoreItem xmlns:ds="http://schemas.openxmlformats.org/officeDocument/2006/customXml" ds:itemID="{2E5ECA37-C458-4BA2-A090-D7A19E07B434}">
-  <ds:schemaRefs>
-    <ds:schemaRef ds:uri="http://schemas.microsoft.com/sharepoint/v3/contenttype/forms"/>
-  </ds:schemaRefs>
-</ds:datastoreItem>
 </file>